--- a/1. build h5 application/构建H5移动应用.pptx
+++ b/1. build h5 application/构建H5移动应用.pptx
@@ -308,7 +308,7 @@
           <a:p>
             <a:fld id="{6BFECD78-3C8E-49F2-8FAB-59489D168ABB}" type="datetimeFigureOut">
               <a:rPr lang="en-US" smtClean="0"/>
-              <a:t>9/13/15</a:t>
+              <a:t>15/9/14</a:t>
             </a:fld>
             <a:endParaRPr lang="en-US"/>
           </a:p>
@@ -478,7 +478,7 @@
           <a:p>
             <a:fld id="{6BFECD78-3C8E-49F2-8FAB-59489D168ABB}" type="datetimeFigureOut">
               <a:rPr lang="en-US" smtClean="0"/>
-              <a:t>9/13/15</a:t>
+              <a:t>15/9/14</a:t>
             </a:fld>
             <a:endParaRPr lang="en-US"/>
           </a:p>
@@ -658,7 +658,7 @@
           <a:p>
             <a:fld id="{6BFECD78-3C8E-49F2-8FAB-59489D168ABB}" type="datetimeFigureOut">
               <a:rPr lang="en-US" smtClean="0"/>
-              <a:t>9/13/15</a:t>
+              <a:t>15/9/14</a:t>
             </a:fld>
             <a:endParaRPr lang="en-US"/>
           </a:p>
@@ -828,7 +828,7 @@
           <a:p>
             <a:fld id="{6BFECD78-3C8E-49F2-8FAB-59489D168ABB}" type="datetimeFigureOut">
               <a:rPr lang="en-US" smtClean="0"/>
-              <a:t>9/13/15</a:t>
+              <a:t>15/9/14</a:t>
             </a:fld>
             <a:endParaRPr lang="en-US"/>
           </a:p>
@@ -1074,7 +1074,7 @@
           <a:p>
             <a:fld id="{6BFECD78-3C8E-49F2-8FAB-59489D168ABB}" type="datetimeFigureOut">
               <a:rPr lang="en-US" smtClean="0"/>
-              <a:t>9/13/15</a:t>
+              <a:t>15/9/14</a:t>
             </a:fld>
             <a:endParaRPr lang="en-US"/>
           </a:p>
@@ -1362,7 +1362,7 @@
           <a:p>
             <a:fld id="{6BFECD78-3C8E-49F2-8FAB-59489D168ABB}" type="datetimeFigureOut">
               <a:rPr lang="en-US" smtClean="0"/>
-              <a:t>9/13/15</a:t>
+              <a:t>15/9/14</a:t>
             </a:fld>
             <a:endParaRPr lang="en-US"/>
           </a:p>
@@ -1784,7 +1784,7 @@
           <a:p>
             <a:fld id="{6BFECD78-3C8E-49F2-8FAB-59489D168ABB}" type="datetimeFigureOut">
               <a:rPr lang="en-US" smtClean="0"/>
-              <a:t>9/13/15</a:t>
+              <a:t>15/9/14</a:t>
             </a:fld>
             <a:endParaRPr lang="en-US"/>
           </a:p>
@@ -1902,7 +1902,7 @@
           <a:p>
             <a:fld id="{6BFECD78-3C8E-49F2-8FAB-59489D168ABB}" type="datetimeFigureOut">
               <a:rPr lang="en-US" smtClean="0"/>
-              <a:t>9/13/15</a:t>
+              <a:t>15/9/14</a:t>
             </a:fld>
             <a:endParaRPr lang="en-US"/>
           </a:p>
@@ -1997,7 +1997,7 @@
           <a:p>
             <a:fld id="{6BFECD78-3C8E-49F2-8FAB-59489D168ABB}" type="datetimeFigureOut">
               <a:rPr lang="en-US" smtClean="0"/>
-              <a:t>9/13/15</a:t>
+              <a:t>15/9/14</a:t>
             </a:fld>
             <a:endParaRPr lang="en-US"/>
           </a:p>
@@ -2274,7 +2274,7 @@
           <a:p>
             <a:fld id="{6BFECD78-3C8E-49F2-8FAB-59489D168ABB}" type="datetimeFigureOut">
               <a:rPr lang="en-US" smtClean="0"/>
-              <a:t>9/13/15</a:t>
+              <a:t>15/9/14</a:t>
             </a:fld>
             <a:endParaRPr lang="en-US"/>
           </a:p>
@@ -2531,7 +2531,7 @@
           <a:p>
             <a:fld id="{6BFECD78-3C8E-49F2-8FAB-59489D168ABB}" type="datetimeFigureOut">
               <a:rPr lang="en-US" smtClean="0"/>
-              <a:t>9/13/15</a:t>
+              <a:t>15/9/14</a:t>
             </a:fld>
             <a:endParaRPr lang="en-US"/>
           </a:p>
@@ -2744,7 +2744,7 @@
           <a:p>
             <a:fld id="{6BFECD78-3C8E-49F2-8FAB-59489D168ABB}" type="datetimeFigureOut">
               <a:rPr lang="en-US" smtClean="0"/>
-              <a:t>9/13/15</a:t>
+              <a:t>15/9/14</a:t>
             </a:fld>
             <a:endParaRPr lang="en-US"/>
           </a:p>
@@ -3504,8 +3504,17 @@
             <a:pPr lvl="1"/>
             <a:r>
               <a:rPr kumimoji="1" lang="en-US" altLang="zh-CN" dirty="0" smtClean="0"/>
-              <a:t>Grant</a:t>
-            </a:r>
+              <a:t>Gr</a:t>
+            </a:r>
+            <a:r>
+              <a:rPr kumimoji="1" lang="en-US" altLang="zh-CN" dirty="0" smtClean="0"/>
+              <a:t>u</a:t>
+            </a:r>
+            <a:r>
+              <a:rPr kumimoji="1" lang="en-US" altLang="zh-CN" dirty="0" smtClean="0"/>
+              <a:t>nt</a:t>
+            </a:r>
+            <a:endParaRPr kumimoji="1" lang="en-US" altLang="zh-CN" dirty="0" smtClean="0"/>
           </a:p>
           <a:p>
             <a:pPr lvl="1"/>
@@ -6935,7 +6944,21 @@
                 <a:latin typeface="Arial"/>
                 <a:cs typeface="Arial"/>
               </a:rPr>
-              <a:t>SharpProy</a:t>
+              <a:t>SharpPro</a:t>
+            </a:r>
+            <a:r>
+              <a:rPr kumimoji="1" lang="en-US" altLang="zh-CN" dirty="0" err="1" smtClean="0">
+                <a:latin typeface="Arial"/>
+                <a:cs typeface="Arial"/>
+              </a:rPr>
+              <a:t>x</a:t>
+            </a:r>
+            <a:r>
+              <a:rPr kumimoji="1" lang="en-US" altLang="zh-CN" dirty="0" err="1" smtClean="0">
+                <a:latin typeface="Arial"/>
+                <a:cs typeface="Arial"/>
+              </a:rPr>
+              <a:t>y</a:t>
             </a:r>
             <a:endParaRPr kumimoji="1" lang="zh-CN" altLang="en-US" dirty="0">
               <a:latin typeface="Arial"/>
